--- a/Documents/프로젝트 LaLa.pptx
+++ b/Documents/프로젝트 LaLa.pptx
@@ -13,21 +13,23 @@
     <p:sldId id="258" r:id="rId7"/>
     <p:sldId id="259" r:id="rId8"/>
     <p:sldId id="260" r:id="rId9"/>
+    <p:sldId id="261" r:id="rId10"/>
+    <p:sldId id="262" r:id="rId11"/>
   </p:sldIdLst>
   <p:sldSz cy="5143500" cx="9144000"/>
   <p:notesSz cx="6858000" cy="9144000"/>
   <p:embeddedFontLst>
     <p:embeddedFont>
       <p:font typeface="Roboto Slab"/>
-      <p:regular r:id="rId10"/>
-      <p:bold r:id="rId11"/>
+      <p:regular r:id="rId12"/>
+      <p:bold r:id="rId13"/>
     </p:embeddedFont>
     <p:embeddedFont>
       <p:font typeface="Roboto"/>
-      <p:regular r:id="rId12"/>
-      <p:bold r:id="rId13"/>
-      <p:italic r:id="rId14"/>
-      <p:boldItalic r:id="rId15"/>
+      <p:regular r:id="rId14"/>
+      <p:bold r:id="rId15"/>
+      <p:italic r:id="rId16"/>
+      <p:boldItalic r:id="rId17"/>
     </p:embeddedFont>
   </p:embeddedFontLst>
   <p:defaultTextStyle>
@@ -648,7 +650,7 @@
           </a:bodyPr>
           <a:lstStyle/>
           <a:p>
-            <a:pPr lvl="0">
+            <a:pPr lvl="0" rtl="0">
               <a:spcBef>
                 <a:spcPts val="0"/>
               </a:spcBef>
@@ -743,7 +745,7 @@
           </a:bodyPr>
           <a:lstStyle/>
           <a:p>
-            <a:pPr lvl="0">
+            <a:pPr lvl="0" rtl="0">
               <a:spcBef>
                 <a:spcPts val="0"/>
               </a:spcBef>
@@ -818,6 +820,196 @@
       <p:sp>
         <p:nvSpPr>
           <p:cNvPr id="85" name="Shape 85"/>
+          <p:cNvSpPr txBox="1"/>
+          <p:nvPr>
+            <p:ph idx="1" type="body"/>
+          </p:nvPr>
+        </p:nvSpPr>
+        <p:spPr>
+          <a:xfrm>
+            <a:off x="685800" y="4343400"/>
+            <a:ext cx="5486400" cy="4114800"/>
+          </a:xfrm>
+          <a:prstGeom prst="rect">
+            <a:avLst/>
+          </a:prstGeom>
+        </p:spPr>
+        <p:txBody>
+          <a:bodyPr anchorCtr="0" anchor="t" bIns="91425" lIns="91425" rIns="91425" tIns="91425">
+            <a:noAutofit/>
+          </a:bodyPr>
+          <a:lstStyle/>
+          <a:p>
+            <a:pPr lvl="0" rtl="0">
+              <a:spcBef>
+                <a:spcPts val="0"/>
+              </a:spcBef>
+              <a:buNone/>
+            </a:pPr>
+            <a:r>
+              <a:t/>
+            </a:r>
+            <a:endParaRPr/>
+          </a:p>
+        </p:txBody>
+      </p:sp>
+    </p:spTree>
+  </p:cSld>
+  <p:clrMapOvr>
+    <a:masterClrMapping/>
+  </p:clrMapOvr>
+</p:notes>
+</file>
+
+<file path=ppt/notesSlides/notesSlide6.xml><?xml version="1.0" encoding="utf-8"?>
+<p:notes xmlns:a="http://schemas.openxmlformats.org/drawingml/2006/main" xmlns:r="http://schemas.openxmlformats.org/officeDocument/2006/relationships" xmlns:mc="http://schemas.openxmlformats.org/markup-compatibility/2006" xmlns:mv="urn:schemas-microsoft-com:mac:vml" xmlns:p="http://schemas.openxmlformats.org/presentationml/2006/main" xmlns:c="http://schemas.openxmlformats.org/drawingml/2006/chart" xmlns:dgm="http://schemas.openxmlformats.org/drawingml/2006/diagram" xmlns:o="urn:schemas-microsoft-com:office:office" xmlns:v="urn:schemas-microsoft-com:vml" xmlns:pvml="urn:schemas-microsoft-com:office:powerpoint" xmlns:com="http://schemas.openxmlformats.org/drawingml/2006/compatibility" xmlns:p14="http://schemas.microsoft.com/office/powerpoint/2010/main" showMasterPhAnim="0" showMasterSp="0">
+  <p:cSld>
+    <p:spTree>
+      <p:nvGrpSpPr>
+        <p:cNvPr id="89" name="Shape 89"/>
+        <p:cNvGrpSpPr/>
+        <p:nvPr/>
+      </p:nvGrpSpPr>
+      <p:grpSpPr>
+        <a:xfrm>
+          <a:off x="0" y="0"/>
+          <a:ext cx="0" cy="0"/>
+          <a:chOff x="0" y="0"/>
+          <a:chExt cx="0" cy="0"/>
+        </a:xfrm>
+      </p:grpSpPr>
+      <p:sp>
+        <p:nvSpPr>
+          <p:cNvPr id="90" name="Shape 90"/>
+          <p:cNvSpPr/>
+          <p:nvPr>
+            <p:ph idx="2" type="sldImg"/>
+          </p:nvPr>
+        </p:nvSpPr>
+        <p:spPr>
+          <a:xfrm>
+            <a:off x="381300" y="685800"/>
+            <a:ext cx="6096000" cy="3429000"/>
+          </a:xfrm>
+          <a:custGeom>
+            <a:pathLst>
+              <a:path extrusionOk="0" h="120000" w="120000">
+                <a:moveTo>
+                  <a:pt x="0" y="0"/>
+                </a:moveTo>
+                <a:lnTo>
+                  <a:pt x="120000" y="0"/>
+                </a:lnTo>
+                <a:lnTo>
+                  <a:pt x="120000" y="120000"/>
+                </a:lnTo>
+                <a:lnTo>
+                  <a:pt x="0" y="120000"/>
+                </a:lnTo>
+                <a:close/>
+              </a:path>
+            </a:pathLst>
+          </a:custGeom>
+        </p:spPr>
+      </p:sp>
+      <p:sp>
+        <p:nvSpPr>
+          <p:cNvPr id="91" name="Shape 91"/>
+          <p:cNvSpPr txBox="1"/>
+          <p:nvPr>
+            <p:ph idx="1" type="body"/>
+          </p:nvPr>
+        </p:nvSpPr>
+        <p:spPr>
+          <a:xfrm>
+            <a:off x="685800" y="4343400"/>
+            <a:ext cx="5486400" cy="4114800"/>
+          </a:xfrm>
+          <a:prstGeom prst="rect">
+            <a:avLst/>
+          </a:prstGeom>
+        </p:spPr>
+        <p:txBody>
+          <a:bodyPr anchorCtr="0" anchor="t" bIns="91425" lIns="91425" rIns="91425" tIns="91425">
+            <a:noAutofit/>
+          </a:bodyPr>
+          <a:lstStyle/>
+          <a:p>
+            <a:pPr lvl="0">
+              <a:spcBef>
+                <a:spcPts val="0"/>
+              </a:spcBef>
+              <a:buNone/>
+            </a:pPr>
+            <a:r>
+              <a:t/>
+            </a:r>
+            <a:endParaRPr/>
+          </a:p>
+        </p:txBody>
+      </p:sp>
+    </p:spTree>
+  </p:cSld>
+  <p:clrMapOvr>
+    <a:masterClrMapping/>
+  </p:clrMapOvr>
+</p:notes>
+</file>
+
+<file path=ppt/notesSlides/notesSlide7.xml><?xml version="1.0" encoding="utf-8"?>
+<p:notes xmlns:a="http://schemas.openxmlformats.org/drawingml/2006/main" xmlns:r="http://schemas.openxmlformats.org/officeDocument/2006/relationships" xmlns:mc="http://schemas.openxmlformats.org/markup-compatibility/2006" xmlns:mv="urn:schemas-microsoft-com:mac:vml" xmlns:p="http://schemas.openxmlformats.org/presentationml/2006/main" xmlns:c="http://schemas.openxmlformats.org/drawingml/2006/chart" xmlns:dgm="http://schemas.openxmlformats.org/drawingml/2006/diagram" xmlns:o="urn:schemas-microsoft-com:office:office" xmlns:v="urn:schemas-microsoft-com:vml" xmlns:pvml="urn:schemas-microsoft-com:office:powerpoint" xmlns:com="http://schemas.openxmlformats.org/drawingml/2006/compatibility" xmlns:p14="http://schemas.microsoft.com/office/powerpoint/2010/main" showMasterPhAnim="0" showMasterSp="0">
+  <p:cSld>
+    <p:spTree>
+      <p:nvGrpSpPr>
+        <p:cNvPr id="95" name="Shape 95"/>
+        <p:cNvGrpSpPr/>
+        <p:nvPr/>
+      </p:nvGrpSpPr>
+      <p:grpSpPr>
+        <a:xfrm>
+          <a:off x="0" y="0"/>
+          <a:ext cx="0" cy="0"/>
+          <a:chOff x="0" y="0"/>
+          <a:chExt cx="0" cy="0"/>
+        </a:xfrm>
+      </p:grpSpPr>
+      <p:sp>
+        <p:nvSpPr>
+          <p:cNvPr id="96" name="Shape 96"/>
+          <p:cNvSpPr/>
+          <p:nvPr>
+            <p:ph idx="2" type="sldImg"/>
+          </p:nvPr>
+        </p:nvSpPr>
+        <p:spPr>
+          <a:xfrm>
+            <a:off x="381300" y="685800"/>
+            <a:ext cx="6096000" cy="3429000"/>
+          </a:xfrm>
+          <a:custGeom>
+            <a:pathLst>
+              <a:path extrusionOk="0" h="120000" w="120000">
+                <a:moveTo>
+                  <a:pt x="0" y="0"/>
+                </a:moveTo>
+                <a:lnTo>
+                  <a:pt x="120000" y="0"/>
+                </a:lnTo>
+                <a:lnTo>
+                  <a:pt x="120000" y="120000"/>
+                </a:lnTo>
+                <a:lnTo>
+                  <a:pt x="0" y="120000"/>
+                </a:lnTo>
+                <a:close/>
+              </a:path>
+            </a:pathLst>
+          </a:custGeom>
+        </p:spPr>
+      </p:sp>
+      <p:sp>
+        <p:nvSpPr>
+          <p:cNvPr id="97" name="Shape 97"/>
           <p:cNvSpPr txBox="1"/>
           <p:nvPr>
             <p:ph idx="1" type="body"/>
@@ -4997,7 +5189,7 @@
           </a:bodyPr>
           <a:lstStyle/>
           <a:p>
-            <a:pPr lvl="0">
+            <a:pPr lvl="0" rtl="0">
               <a:spcBef>
                 <a:spcPts val="0"/>
               </a:spcBef>
@@ -5033,16 +5225,39 @@
           </a:bodyPr>
           <a:lstStyle/>
           <a:p>
-            <a:pPr lvl="0">
-              <a:spcBef>
-                <a:spcPts val="0"/>
-              </a:spcBef>
-              <a:buNone/>
+            <a:pPr indent="-342900" lvl="0" marL="457200" marR="0" rtl="0" algn="l">
+              <a:lnSpc>
+                <a:spcPct val="115000"/>
+              </a:lnSpc>
+              <a:spcBef>
+                <a:spcPts val="0"/>
+              </a:spcBef>
+              <a:spcAft>
+                <a:spcPts val="1600"/>
+              </a:spcAft>
+              <a:buClr>
+                <a:schemeClr val="dk1"/>
+              </a:buClr>
+              <a:buSzPct val="100000"/>
+              <a:buFont typeface="Roboto"/>
+              <a:buChar char="-"/>
             </a:pPr>
             <a:r>
-              <a:t/>
+              <a:rPr lang="ko"/>
+              <a:t>ViewController : 시계 + 테마 + 알람 + 로깅 + 설정</a:t>
             </a:r>
-            <a:endParaRPr/>
+          </a:p>
+          <a:p>
+            <a:pPr indent="-228600" lvl="0" marL="457200" rtl="0">
+              <a:spcBef>
+                <a:spcPts val="0"/>
+              </a:spcBef>
+              <a:buChar char="-"/>
+            </a:pPr>
+            <a:r>
+              <a:rPr lang="ko"/>
+              <a:t>최초 진입은 시계뷰. 제스처 혹은 버튼 터치를 통해 여행 로깅, 테마 설정, 알람으로 전환.</a:t>
+            </a:r>
           </a:p>
         </p:txBody>
       </p:sp>
@@ -5094,7 +5309,7 @@
           </a:bodyPr>
           <a:lstStyle/>
           <a:p>
-            <a:pPr lvl="0">
+            <a:pPr lvl="0" rtl="0">
               <a:spcBef>
                 <a:spcPts val="0"/>
               </a:spcBef>
@@ -5102,7 +5317,7 @@
             </a:pPr>
             <a:r>
               <a:rPr lang="ko"/>
-              <a:t>Android</a:t>
+              <a:t>iOS</a:t>
             </a:r>
           </a:p>
         </p:txBody>
@@ -5130,16 +5345,109 @@
           </a:bodyPr>
           <a:lstStyle/>
           <a:p>
-            <a:pPr lvl="0">
-              <a:spcBef>
-                <a:spcPts val="0"/>
-              </a:spcBef>
-              <a:buNone/>
+            <a:pPr indent="-228600" lvl="0" marL="457200" rtl="0">
+              <a:spcBef>
+                <a:spcPts val="0"/>
+              </a:spcBef>
+              <a:buChar char="-"/>
             </a:pPr>
             <a:r>
-              <a:t/>
+              <a:rPr lang="ko"/>
+              <a:t>시계뷰</a:t>
             </a:r>
-            <a:endParaRPr/>
+          </a:p>
+          <a:p>
+            <a:pPr indent="-228600" lvl="1" marL="914400" rtl="0">
+              <a:spcBef>
+                <a:spcPts val="0"/>
+              </a:spcBef>
+              <a:buChar char="-"/>
+            </a:pPr>
+            <a:r>
+              <a:rPr lang="ko"/>
+              <a:t>시간과 일자, 날씨를 출력.</a:t>
+            </a:r>
+          </a:p>
+          <a:p>
+            <a:pPr indent="-228600" lvl="1" marL="914400" rtl="0">
+              <a:spcBef>
+                <a:spcPts val="0"/>
+              </a:spcBef>
+              <a:buChar char="-"/>
+            </a:pPr>
+            <a:r>
+              <a:rPr lang="ko"/>
+              <a:t>알람이 설정 될 경우 알람 아이콘 추가.</a:t>
+            </a:r>
+          </a:p>
+          <a:p>
+            <a:pPr indent="-228600" lvl="1" marL="914400" rtl="0">
+              <a:spcBef>
+                <a:spcPts val="0"/>
+              </a:spcBef>
+              <a:buChar char="-"/>
+            </a:pPr>
+            <a:r>
+              <a:rPr lang="ko"/>
+              <a:t>시간 정보는 시스템 시간을 출력.</a:t>
+            </a:r>
+          </a:p>
+          <a:p>
+            <a:pPr indent="-228600" lvl="1" marL="914400" rtl="0">
+              <a:spcBef>
+                <a:spcPts val="0"/>
+              </a:spcBef>
+              <a:buChar char="-"/>
+            </a:pPr>
+            <a:r>
+              <a:rPr lang="ko"/>
+              <a:t>날씨 정보는 SK플래닛의 OpenAPI 사용. </a:t>
+            </a:r>
+            <a:r>
+              <a:rPr lang="ko" u="sng">
+                <a:solidFill>
+                  <a:schemeClr val="accent5"/>
+                </a:solidFill>
+                <a:hlinkClick r:id="rId3"/>
+              </a:rPr>
+              <a:t>https://developers.skplanetx.com/apidoc/kor/weather/</a:t>
+            </a:r>
+          </a:p>
+          <a:p>
+            <a:pPr indent="-228600" lvl="0" marL="457200" rtl="0">
+              <a:spcBef>
+                <a:spcPts val="0"/>
+              </a:spcBef>
+              <a:buChar char="-"/>
+            </a:pPr>
+            <a:r>
+              <a:rPr lang="ko"/>
+              <a:t>테마 설정</a:t>
+            </a:r>
+          </a:p>
+          <a:p>
+            <a:pPr indent="-228600" lvl="1" marL="914400" rtl="0">
+              <a:spcBef>
+                <a:spcPts val="0"/>
+              </a:spcBef>
+              <a:buChar char="-"/>
+            </a:pPr>
+            <a:r>
+              <a:rPr lang="ko"/>
+              <a:t>배경 색상</a:t>
+            </a:r>
+          </a:p>
+          <a:p>
+            <a:pPr indent="-228600" lvl="1" marL="914400" rtl="0">
+              <a:spcBef>
+                <a:spcPts val="0"/>
+              </a:spcBef>
+              <a:buChar char="-"/>
+            </a:pPr>
+            <a:r>
+              <a:rPr lang="ko"/>
+              <a:t>시간 출력 방식 + 날씨 출력 여부</a:t>
+            </a:r>
           </a:p>
         </p:txBody>
       </p:sp>
@@ -5191,6 +5499,373 @@
           </a:bodyPr>
           <a:lstStyle/>
           <a:p>
+            <a:pPr lvl="0" rtl="0">
+              <a:spcBef>
+                <a:spcPts val="0"/>
+              </a:spcBef>
+              <a:buNone/>
+            </a:pPr>
+            <a:r>
+              <a:rPr lang="ko"/>
+              <a:t>iOS</a:t>
+            </a:r>
+          </a:p>
+        </p:txBody>
+      </p:sp>
+      <p:sp>
+        <p:nvSpPr>
+          <p:cNvPr id="88" name="Shape 88"/>
+          <p:cNvSpPr txBox="1"/>
+          <p:nvPr>
+            <p:ph idx="1" type="body"/>
+          </p:nvPr>
+        </p:nvSpPr>
+        <p:spPr>
+          <a:xfrm>
+            <a:off x="387900" y="1489824"/>
+            <a:ext cx="8368200" cy="3078900"/>
+          </a:xfrm>
+          <a:prstGeom prst="rect">
+            <a:avLst/>
+          </a:prstGeom>
+        </p:spPr>
+        <p:txBody>
+          <a:bodyPr anchorCtr="0" anchor="t" bIns="91425" lIns="91425" rIns="91425" tIns="91425">
+            <a:noAutofit/>
+          </a:bodyPr>
+          <a:lstStyle/>
+          <a:p>
+            <a:pPr indent="-342900" lvl="0" marL="457200" marR="0" rtl="0" algn="l">
+              <a:lnSpc>
+                <a:spcPct val="115000"/>
+              </a:lnSpc>
+              <a:spcBef>
+                <a:spcPts val="0"/>
+              </a:spcBef>
+              <a:spcAft>
+                <a:spcPts val="1600"/>
+              </a:spcAft>
+              <a:buClr>
+                <a:schemeClr val="dk1"/>
+              </a:buClr>
+              <a:buSzPct val="100000"/>
+              <a:buFont typeface="Roboto"/>
+              <a:buChar char="-"/>
+            </a:pPr>
+            <a:r>
+              <a:rPr lang="ko"/>
+              <a:t>알람 설정</a:t>
+            </a:r>
+          </a:p>
+          <a:p>
+            <a:pPr indent="-228600" lvl="1" marL="914400" marR="0" rtl="0" algn="l">
+              <a:lnSpc>
+                <a:spcPct val="115000"/>
+              </a:lnSpc>
+              <a:spcBef>
+                <a:spcPts val="0"/>
+              </a:spcBef>
+              <a:spcAft>
+                <a:spcPts val="1600"/>
+              </a:spcAft>
+              <a:buChar char="-"/>
+            </a:pPr>
+            <a:r>
+              <a:rPr lang="ko"/>
+              <a:t>알람 설정 및 편집</a:t>
+            </a:r>
+          </a:p>
+          <a:p>
+            <a:pPr indent="-228600" lvl="1" marL="914400" marR="0" rtl="0" algn="l">
+              <a:lnSpc>
+                <a:spcPct val="115000"/>
+              </a:lnSpc>
+              <a:spcBef>
+                <a:spcPts val="0"/>
+              </a:spcBef>
+              <a:spcAft>
+                <a:spcPts val="1600"/>
+              </a:spcAft>
+              <a:buChar char="-"/>
+            </a:pPr>
+            <a:r>
+              <a:rPr lang="ko"/>
+              <a:t>알람음 설정</a:t>
+            </a:r>
+          </a:p>
+          <a:p>
+            <a:pPr indent="-228600" lvl="0" marL="457200" marR="0" rtl="0" algn="l">
+              <a:lnSpc>
+                <a:spcPct val="115000"/>
+              </a:lnSpc>
+              <a:spcBef>
+                <a:spcPts val="0"/>
+              </a:spcBef>
+              <a:spcAft>
+                <a:spcPts val="1600"/>
+              </a:spcAft>
+              <a:buChar char="-"/>
+            </a:pPr>
+            <a:r>
+              <a:rPr lang="ko"/>
+              <a:t>여행 로깅</a:t>
+            </a:r>
+          </a:p>
+          <a:p>
+            <a:pPr indent="-228600" lvl="1" marL="914400" marR="0" rtl="0" algn="l">
+              <a:lnSpc>
+                <a:spcPct val="115000"/>
+              </a:lnSpc>
+              <a:spcBef>
+                <a:spcPts val="0"/>
+              </a:spcBef>
+              <a:spcAft>
+                <a:spcPts val="1600"/>
+              </a:spcAft>
+              <a:buChar char="-"/>
+            </a:pPr>
+            <a:r>
+              <a:rPr lang="ko"/>
+              <a:t>애플 맵킷을 사용한 UI 구성</a:t>
+            </a:r>
+          </a:p>
+          <a:p>
+            <a:pPr indent="-228600" lvl="1" marL="914400" marR="0" rtl="0" algn="l">
+              <a:lnSpc>
+                <a:spcPct val="115000"/>
+              </a:lnSpc>
+              <a:spcBef>
+                <a:spcPts val="0"/>
+              </a:spcBef>
+              <a:spcAft>
+                <a:spcPts val="1600"/>
+              </a:spcAft>
+              <a:buChar char="-"/>
+            </a:pPr>
+            <a:r>
+              <a:rPr lang="ko"/>
+              <a:t>GPS 로깅 기능</a:t>
+            </a:r>
+          </a:p>
+          <a:p>
+            <a:pPr indent="-228600" lvl="1" marL="914400" marR="0" rtl="0" algn="l">
+              <a:lnSpc>
+                <a:spcPct val="115000"/>
+              </a:lnSpc>
+              <a:spcBef>
+                <a:spcPts val="0"/>
+              </a:spcBef>
+              <a:spcAft>
+                <a:spcPts val="1600"/>
+              </a:spcAft>
+              <a:buChar char="-"/>
+            </a:pPr>
+            <a:r>
+              <a:rPr lang="ko"/>
+              <a:t>블로깅 기능 : 로깅 중에 찍힌 사진을 읽어 </a:t>
+            </a:r>
+          </a:p>
+          <a:p>
+            <a:pPr indent="-228600" lvl="1" marL="914400" marR="0" rtl="0" algn="l">
+              <a:lnSpc>
+                <a:spcPct val="115000"/>
+              </a:lnSpc>
+              <a:spcBef>
+                <a:spcPts val="0"/>
+              </a:spcBef>
+              <a:spcAft>
+                <a:spcPts val="1600"/>
+              </a:spcAft>
+              <a:buChar char="-"/>
+            </a:pPr>
+            <a:r>
+              <a:rPr lang="ko"/>
+              <a:t>환경설정</a:t>
+            </a:r>
+          </a:p>
+          <a:p>
+            <a:pPr indent="-228600" lvl="2" marL="1371600" marR="0" rtl="0" algn="l">
+              <a:lnSpc>
+                <a:spcPct val="115000"/>
+              </a:lnSpc>
+              <a:spcBef>
+                <a:spcPts val="0"/>
+              </a:spcBef>
+              <a:spcAft>
+                <a:spcPts val="1600"/>
+              </a:spcAft>
+              <a:buChar char="-"/>
+            </a:pPr>
+            <a:r>
+              <a:rPr lang="ko"/>
+              <a:t>로깅 시간 간격 설정</a:t>
+            </a:r>
+          </a:p>
+          <a:p>
+            <a:pPr indent="-228600" lvl="2" marL="1371600" marR="0" rtl="0" algn="l">
+              <a:lnSpc>
+                <a:spcPct val="115000"/>
+              </a:lnSpc>
+              <a:spcBef>
+                <a:spcPts val="0"/>
+              </a:spcBef>
+              <a:spcAft>
+                <a:spcPts val="1600"/>
+              </a:spcAft>
+              <a:buChar char="-"/>
+            </a:pPr>
+            <a:r>
+              <a:rPr lang="ko"/>
+              <a:t>네트워크 연동 및 로그/사진 업로드</a:t>
+            </a:r>
+          </a:p>
+        </p:txBody>
+      </p:sp>
+    </p:spTree>
+  </p:cSld>
+  <p:clrMapOvr>
+    <a:masterClrMapping/>
+  </p:clrMapOvr>
+</p:sld>
+</file>
+
+<file path=ppt/slides/slide6.xml><?xml version="1.0" encoding="utf-8"?>
+<p:sld xmlns:a="http://schemas.openxmlformats.org/drawingml/2006/main" xmlns:r="http://schemas.openxmlformats.org/officeDocument/2006/relationships" xmlns:mc="http://schemas.openxmlformats.org/markup-compatibility/2006" xmlns:mv="urn:schemas-microsoft-com:mac:vml" xmlns:p="http://schemas.openxmlformats.org/presentationml/2006/main" xmlns:c="http://schemas.openxmlformats.org/drawingml/2006/chart" xmlns:dgm="http://schemas.openxmlformats.org/drawingml/2006/diagram" xmlns:o="urn:schemas-microsoft-com:office:office" xmlns:v="urn:schemas-microsoft-com:vml" xmlns:pvml="urn:schemas-microsoft-com:office:powerpoint" xmlns:com="http://schemas.openxmlformats.org/drawingml/2006/compatibility" xmlns:p14="http://schemas.microsoft.com/office/powerpoint/2010/main">
+  <p:cSld>
+    <p:spTree>
+      <p:nvGrpSpPr>
+        <p:cNvPr id="92" name="Shape 92"/>
+        <p:cNvGrpSpPr/>
+        <p:nvPr/>
+      </p:nvGrpSpPr>
+      <p:grpSpPr>
+        <a:xfrm>
+          <a:off x="0" y="0"/>
+          <a:ext cx="0" cy="0"/>
+          <a:chOff x="0" y="0"/>
+          <a:chExt cx="0" cy="0"/>
+        </a:xfrm>
+      </p:grpSpPr>
+      <p:sp>
+        <p:nvSpPr>
+          <p:cNvPr id="93" name="Shape 93"/>
+          <p:cNvSpPr txBox="1"/>
+          <p:nvPr>
+            <p:ph type="title"/>
+          </p:nvPr>
+        </p:nvSpPr>
+        <p:spPr>
+          <a:xfrm>
+            <a:off x="387900" y="458025"/>
+            <a:ext cx="8368200" cy="686100"/>
+          </a:xfrm>
+          <a:prstGeom prst="rect">
+            <a:avLst/>
+          </a:prstGeom>
+        </p:spPr>
+        <p:txBody>
+          <a:bodyPr anchorCtr="0" anchor="b" bIns="91425" lIns="91425" rIns="91425" tIns="91425">
+            <a:noAutofit/>
+          </a:bodyPr>
+          <a:lstStyle/>
+          <a:p>
+            <a:pPr lvl="0">
+              <a:spcBef>
+                <a:spcPts val="0"/>
+              </a:spcBef>
+              <a:buNone/>
+            </a:pPr>
+            <a:r>
+              <a:rPr lang="ko"/>
+              <a:t>Android</a:t>
+            </a:r>
+          </a:p>
+        </p:txBody>
+      </p:sp>
+      <p:sp>
+        <p:nvSpPr>
+          <p:cNvPr id="94" name="Shape 94"/>
+          <p:cNvSpPr txBox="1"/>
+          <p:nvPr>
+            <p:ph idx="1" type="body"/>
+          </p:nvPr>
+        </p:nvSpPr>
+        <p:spPr>
+          <a:xfrm>
+            <a:off x="387900" y="1489824"/>
+            <a:ext cx="8368200" cy="3078900"/>
+          </a:xfrm>
+          <a:prstGeom prst="rect">
+            <a:avLst/>
+          </a:prstGeom>
+        </p:spPr>
+        <p:txBody>
+          <a:bodyPr anchorCtr="0" anchor="t" bIns="91425" lIns="91425" rIns="91425" tIns="91425">
+            <a:noAutofit/>
+          </a:bodyPr>
+          <a:lstStyle/>
+          <a:p>
+            <a:pPr lvl="0">
+              <a:spcBef>
+                <a:spcPts val="0"/>
+              </a:spcBef>
+              <a:buNone/>
+            </a:pPr>
+            <a:r>
+              <a:t/>
+            </a:r>
+            <a:endParaRPr/>
+          </a:p>
+        </p:txBody>
+      </p:sp>
+    </p:spTree>
+  </p:cSld>
+  <p:clrMapOvr>
+    <a:masterClrMapping/>
+  </p:clrMapOvr>
+</p:sld>
+</file>
+
+<file path=ppt/slides/slide7.xml><?xml version="1.0" encoding="utf-8"?>
+<p:sld xmlns:a="http://schemas.openxmlformats.org/drawingml/2006/main" xmlns:r="http://schemas.openxmlformats.org/officeDocument/2006/relationships" xmlns:mc="http://schemas.openxmlformats.org/markup-compatibility/2006" xmlns:mv="urn:schemas-microsoft-com:mac:vml" xmlns:p="http://schemas.openxmlformats.org/presentationml/2006/main" xmlns:c="http://schemas.openxmlformats.org/drawingml/2006/chart" xmlns:dgm="http://schemas.openxmlformats.org/drawingml/2006/diagram" xmlns:o="urn:schemas-microsoft-com:office:office" xmlns:v="urn:schemas-microsoft-com:vml" xmlns:pvml="urn:schemas-microsoft-com:office:powerpoint" xmlns:com="http://schemas.openxmlformats.org/drawingml/2006/compatibility" xmlns:p14="http://schemas.microsoft.com/office/powerpoint/2010/main">
+  <p:cSld>
+    <p:spTree>
+      <p:nvGrpSpPr>
+        <p:cNvPr id="98" name="Shape 98"/>
+        <p:cNvGrpSpPr/>
+        <p:nvPr/>
+      </p:nvGrpSpPr>
+      <p:grpSpPr>
+        <a:xfrm>
+          <a:off x="0" y="0"/>
+          <a:ext cx="0" cy="0"/>
+          <a:chOff x="0" y="0"/>
+          <a:chExt cx="0" cy="0"/>
+        </a:xfrm>
+      </p:grpSpPr>
+      <p:sp>
+        <p:nvSpPr>
+          <p:cNvPr id="99" name="Shape 99"/>
+          <p:cNvSpPr txBox="1"/>
+          <p:nvPr>
+            <p:ph type="title"/>
+          </p:nvPr>
+        </p:nvSpPr>
+        <p:spPr>
+          <a:xfrm>
+            <a:off x="387900" y="458025"/>
+            <a:ext cx="8368200" cy="686100"/>
+          </a:xfrm>
+          <a:prstGeom prst="rect">
+            <a:avLst/>
+          </a:prstGeom>
+        </p:spPr>
+        <p:txBody>
+          <a:bodyPr anchorCtr="0" anchor="b" bIns="91425" lIns="91425" rIns="91425" tIns="91425">
+            <a:noAutofit/>
+          </a:bodyPr>
+          <a:lstStyle/>
+          <a:p>
             <a:pPr lvl="0">
               <a:spcBef>
                 <a:spcPts val="0"/>
@@ -5206,7 +5881,7 @@
       </p:sp>
       <p:sp>
         <p:nvSpPr>
-          <p:cNvPr id="88" name="Shape 88"/>
+          <p:cNvPr id="100" name="Shape 100"/>
           <p:cNvSpPr txBox="1"/>
           <p:nvPr>
             <p:ph idx="1" type="body"/>
